--- a/documentacion/Presentacion TP Seminario I - Subasto.pptx
+++ b/documentacion/Presentacion TP Seminario I - Subasto.pptx
@@ -351,7 +351,7 @@
   <p:cSld>
     <p:spTree>
       <p:nvGrpSpPr>
-        <p:cNvPr id="81" name="Shape 81"/>
+        <p:cNvPr id="82" name="Shape 82"/>
         <p:cNvGrpSpPr/>
         <p:nvPr/>
       </p:nvGrpSpPr>
@@ -365,7 +365,7 @@
       </p:grpSpPr>
       <p:sp>
         <p:nvSpPr>
-          <p:cNvPr id="82" name="Shape 82"/>
+          <p:cNvPr id="83" name="Shape 83"/>
           <p:cNvSpPr/>
           <p:nvPr>
             <p:ph idx="2" type="sldImg"/>
@@ -399,7 +399,7 @@
       </p:sp>
       <p:sp>
         <p:nvSpPr>
-          <p:cNvPr id="83" name="Shape 83"/>
+          <p:cNvPr id="84" name="Shape 84"/>
           <p:cNvSpPr txBox="1"/>
           <p:nvPr>
             <p:ph idx="1" type="body"/>
@@ -435,7 +435,7 @@
   <p:cSld>
     <p:spTree>
       <p:nvGrpSpPr>
-        <p:cNvPr id="146" name="Shape 146"/>
+        <p:cNvPr id="147" name="Shape 147"/>
         <p:cNvGrpSpPr/>
         <p:nvPr/>
       </p:nvGrpSpPr>
@@ -449,7 +449,7 @@
       </p:grpSpPr>
       <p:sp>
         <p:nvSpPr>
-          <p:cNvPr id="147" name="Shape 147"/>
+          <p:cNvPr id="148" name="Shape 148"/>
           <p:cNvSpPr/>
           <p:nvPr>
             <p:ph idx="2" type="sldImg"/>
@@ -483,7 +483,7 @@
       </p:sp>
       <p:sp>
         <p:nvSpPr>
-          <p:cNvPr id="148" name="Shape 148"/>
+          <p:cNvPr id="149" name="Shape 149"/>
           <p:cNvSpPr txBox="1"/>
           <p:nvPr>
             <p:ph idx="1" type="body"/>
@@ -519,7 +519,7 @@
   <p:cSld>
     <p:spTree>
       <p:nvGrpSpPr>
-        <p:cNvPr id="152" name="Shape 152"/>
+        <p:cNvPr id="153" name="Shape 153"/>
         <p:cNvGrpSpPr/>
         <p:nvPr/>
       </p:nvGrpSpPr>
@@ -533,7 +533,7 @@
       </p:grpSpPr>
       <p:sp>
         <p:nvSpPr>
-          <p:cNvPr id="153" name="Shape 153"/>
+          <p:cNvPr id="154" name="Shape 154"/>
           <p:cNvSpPr/>
           <p:nvPr>
             <p:ph idx="2" type="sldImg"/>
@@ -567,7 +567,7 @@
       </p:sp>
       <p:sp>
         <p:nvSpPr>
-          <p:cNvPr id="154" name="Shape 154"/>
+          <p:cNvPr id="155" name="Shape 155"/>
           <p:cNvSpPr txBox="1"/>
           <p:nvPr>
             <p:ph idx="1" type="body"/>
@@ -603,7 +603,7 @@
   <p:cSld>
     <p:spTree>
       <p:nvGrpSpPr>
-        <p:cNvPr id="158" name="Shape 158"/>
+        <p:cNvPr id="159" name="Shape 159"/>
         <p:cNvGrpSpPr/>
         <p:nvPr/>
       </p:nvGrpSpPr>
@@ -617,7 +617,7 @@
       </p:grpSpPr>
       <p:sp>
         <p:nvSpPr>
-          <p:cNvPr id="159" name="Shape 159"/>
+          <p:cNvPr id="160" name="Shape 160"/>
           <p:cNvSpPr/>
           <p:nvPr>
             <p:ph idx="2" type="sldImg"/>
@@ -651,7 +651,7 @@
       </p:sp>
       <p:sp>
         <p:nvSpPr>
-          <p:cNvPr id="160" name="Shape 160"/>
+          <p:cNvPr id="161" name="Shape 161"/>
           <p:cNvSpPr txBox="1"/>
           <p:nvPr>
             <p:ph idx="1" type="body"/>
@@ -687,7 +687,7 @@
   <p:cSld>
     <p:spTree>
       <p:nvGrpSpPr>
-        <p:cNvPr id="164" name="Shape 164"/>
+        <p:cNvPr id="165" name="Shape 165"/>
         <p:cNvGrpSpPr/>
         <p:nvPr/>
       </p:nvGrpSpPr>
@@ -701,7 +701,7 @@
       </p:grpSpPr>
       <p:sp>
         <p:nvSpPr>
-          <p:cNvPr id="165" name="Shape 165"/>
+          <p:cNvPr id="166" name="Shape 166"/>
           <p:cNvSpPr/>
           <p:nvPr>
             <p:ph idx="2" type="sldImg"/>
@@ -735,7 +735,7 @@
       </p:sp>
       <p:sp>
         <p:nvSpPr>
-          <p:cNvPr id="166" name="Shape 166"/>
+          <p:cNvPr id="167" name="Shape 167"/>
           <p:cNvSpPr txBox="1"/>
           <p:nvPr>
             <p:ph idx="1" type="body"/>
@@ -771,7 +771,7 @@
   <p:cSld>
     <p:spTree>
       <p:nvGrpSpPr>
-        <p:cNvPr id="93" name="Shape 93"/>
+        <p:cNvPr id="94" name="Shape 94"/>
         <p:cNvGrpSpPr/>
         <p:nvPr/>
       </p:nvGrpSpPr>
@@ -785,7 +785,7 @@
       </p:grpSpPr>
       <p:sp>
         <p:nvSpPr>
-          <p:cNvPr id="94" name="Shape 94"/>
+          <p:cNvPr id="95" name="Shape 95"/>
           <p:cNvSpPr/>
           <p:nvPr>
             <p:ph idx="2" type="sldImg"/>
@@ -819,7 +819,7 @@
       </p:sp>
       <p:sp>
         <p:nvSpPr>
-          <p:cNvPr id="95" name="Shape 95"/>
+          <p:cNvPr id="96" name="Shape 96"/>
           <p:cNvSpPr txBox="1"/>
           <p:nvPr>
             <p:ph idx="1" type="body"/>
@@ -855,7 +855,7 @@
   <p:cSld>
     <p:spTree>
       <p:nvGrpSpPr>
-        <p:cNvPr id="104" name="Shape 104"/>
+        <p:cNvPr id="105" name="Shape 105"/>
         <p:cNvGrpSpPr/>
         <p:nvPr/>
       </p:nvGrpSpPr>
@@ -869,7 +869,7 @@
       </p:grpSpPr>
       <p:sp>
         <p:nvSpPr>
-          <p:cNvPr id="105" name="Shape 105"/>
+          <p:cNvPr id="106" name="Shape 106"/>
           <p:cNvSpPr/>
           <p:nvPr>
             <p:ph idx="2" type="sldImg"/>
@@ -903,7 +903,7 @@
       </p:sp>
       <p:sp>
         <p:nvSpPr>
-          <p:cNvPr id="106" name="Shape 106"/>
+          <p:cNvPr id="107" name="Shape 107"/>
           <p:cNvSpPr txBox="1"/>
           <p:nvPr>
             <p:ph idx="1" type="body"/>
@@ -939,7 +939,7 @@
   <p:cSld>
     <p:spTree>
       <p:nvGrpSpPr>
-        <p:cNvPr id="110" name="Shape 110"/>
+        <p:cNvPr id="111" name="Shape 111"/>
         <p:cNvGrpSpPr/>
         <p:nvPr/>
       </p:nvGrpSpPr>
@@ -953,7 +953,7 @@
       </p:grpSpPr>
       <p:sp>
         <p:nvSpPr>
-          <p:cNvPr id="111" name="Shape 111"/>
+          <p:cNvPr id="112" name="Shape 112"/>
           <p:cNvSpPr/>
           <p:nvPr>
             <p:ph idx="2" type="sldImg"/>
@@ -987,7 +987,7 @@
       </p:sp>
       <p:sp>
         <p:nvSpPr>
-          <p:cNvPr id="112" name="Shape 112"/>
+          <p:cNvPr id="113" name="Shape 113"/>
           <p:cNvSpPr txBox="1"/>
           <p:nvPr>
             <p:ph idx="1" type="body"/>
@@ -1023,7 +1023,7 @@
   <p:cSld>
     <p:spTree>
       <p:nvGrpSpPr>
-        <p:cNvPr id="116" name="Shape 116"/>
+        <p:cNvPr id="117" name="Shape 117"/>
         <p:cNvGrpSpPr/>
         <p:nvPr/>
       </p:nvGrpSpPr>
@@ -1037,7 +1037,7 @@
       </p:grpSpPr>
       <p:sp>
         <p:nvSpPr>
-          <p:cNvPr id="117" name="Shape 117"/>
+          <p:cNvPr id="118" name="Shape 118"/>
           <p:cNvSpPr/>
           <p:nvPr>
             <p:ph idx="2" type="sldImg"/>
@@ -1071,7 +1071,7 @@
       </p:sp>
       <p:sp>
         <p:nvSpPr>
-          <p:cNvPr id="118" name="Shape 118"/>
+          <p:cNvPr id="119" name="Shape 119"/>
           <p:cNvSpPr txBox="1"/>
           <p:nvPr>
             <p:ph idx="1" type="body"/>
@@ -1107,7 +1107,7 @@
   <p:cSld>
     <p:spTree>
       <p:nvGrpSpPr>
-        <p:cNvPr id="122" name="Shape 122"/>
+        <p:cNvPr id="123" name="Shape 123"/>
         <p:cNvGrpSpPr/>
         <p:nvPr/>
       </p:nvGrpSpPr>
@@ -1121,7 +1121,7 @@
       </p:grpSpPr>
       <p:sp>
         <p:nvSpPr>
-          <p:cNvPr id="123" name="Shape 123"/>
+          <p:cNvPr id="124" name="Shape 124"/>
           <p:cNvSpPr/>
           <p:nvPr>
             <p:ph idx="2" type="sldImg"/>
@@ -1155,7 +1155,7 @@
       </p:sp>
       <p:sp>
         <p:nvSpPr>
-          <p:cNvPr id="124" name="Shape 124"/>
+          <p:cNvPr id="125" name="Shape 125"/>
           <p:cNvSpPr txBox="1"/>
           <p:nvPr>
             <p:ph idx="1" type="body"/>
@@ -1191,7 +1191,7 @@
   <p:cSld>
     <p:spTree>
       <p:nvGrpSpPr>
-        <p:cNvPr id="128" name="Shape 128"/>
+        <p:cNvPr id="129" name="Shape 129"/>
         <p:cNvGrpSpPr/>
         <p:nvPr/>
       </p:nvGrpSpPr>
@@ -1205,7 +1205,7 @@
       </p:grpSpPr>
       <p:sp>
         <p:nvSpPr>
-          <p:cNvPr id="129" name="Shape 129"/>
+          <p:cNvPr id="130" name="Shape 130"/>
           <p:cNvSpPr/>
           <p:nvPr>
             <p:ph idx="2" type="sldImg"/>
@@ -1239,7 +1239,7 @@
       </p:sp>
       <p:sp>
         <p:nvSpPr>
-          <p:cNvPr id="130" name="Shape 130"/>
+          <p:cNvPr id="131" name="Shape 131"/>
           <p:cNvSpPr txBox="1"/>
           <p:nvPr>
             <p:ph idx="1" type="body"/>
@@ -1275,7 +1275,7 @@
   <p:cSld>
     <p:spTree>
       <p:nvGrpSpPr>
-        <p:cNvPr id="134" name="Shape 134"/>
+        <p:cNvPr id="135" name="Shape 135"/>
         <p:cNvGrpSpPr/>
         <p:nvPr/>
       </p:nvGrpSpPr>
@@ -1289,7 +1289,7 @@
       </p:grpSpPr>
       <p:sp>
         <p:nvSpPr>
-          <p:cNvPr id="135" name="Shape 135"/>
+          <p:cNvPr id="136" name="Shape 136"/>
           <p:cNvSpPr/>
           <p:nvPr>
             <p:ph idx="2" type="sldImg"/>
@@ -1323,7 +1323,7 @@
       </p:sp>
       <p:sp>
         <p:nvSpPr>
-          <p:cNvPr id="136" name="Shape 136"/>
+          <p:cNvPr id="137" name="Shape 137"/>
           <p:cNvSpPr txBox="1"/>
           <p:nvPr>
             <p:ph idx="1" type="body"/>
@@ -1359,7 +1359,7 @@
   <p:cSld>
     <p:spTree>
       <p:nvGrpSpPr>
-        <p:cNvPr id="140" name="Shape 140"/>
+        <p:cNvPr id="141" name="Shape 141"/>
         <p:cNvGrpSpPr/>
         <p:nvPr/>
       </p:nvGrpSpPr>
@@ -1373,7 +1373,7 @@
       </p:grpSpPr>
       <p:sp>
         <p:nvSpPr>
-          <p:cNvPr id="141" name="Shape 141"/>
+          <p:cNvPr id="142" name="Shape 142"/>
           <p:cNvSpPr/>
           <p:nvPr>
             <p:ph idx="2" type="sldImg"/>
@@ -1407,7 +1407,7 @@
       </p:sp>
       <p:sp>
         <p:nvSpPr>
-          <p:cNvPr id="142" name="Shape 142"/>
+          <p:cNvPr id="143" name="Shape 143"/>
           <p:cNvSpPr txBox="1"/>
           <p:nvPr>
             <p:ph idx="1" type="body"/>
@@ -6382,7 +6382,7 @@
             </a:pPr>
             <a:r>
               <a:rPr lang="en"/>
-              <a:t>Subasto</a:t>
+              <a:t>Subasto.com</a:t>
             </a:r>
           </a:p>
         </p:txBody>
@@ -6420,6 +6420,32 @@
           </a:p>
         </p:txBody>
       </p:sp>
+      <p:pic>
+        <p:nvPicPr>
+          <p:cNvPr id="81" name="Shape 81"/>
+          <p:cNvPicPr preferRelativeResize="0"/>
+          <p:nvPr/>
+        </p:nvPicPr>
+        <p:blipFill>
+          <a:blip r:embed="rId3"/>
+          <a:stretch>
+            <a:fillRect/>
+          </a:stretch>
+        </p:blipFill>
+        <p:spPr>
+          <a:xfrm>
+            <a:off y="2979687" x="3297462"/>
+            <a:ext cy="942975" cx="4391025"/>
+          </a:xfrm>
+          <a:prstGeom prst="rect">
+            <a:avLst/>
+          </a:prstGeom>
+          <a:noFill/>
+          <a:ln>
+            <a:noFill/>
+          </a:ln>
+        </p:spPr>
+      </p:pic>
     </p:spTree>
   </p:cSld>
   <p:clrMapOvr>
@@ -6436,7 +6462,7 @@
   <p:cSld>
     <p:spTree>
       <p:nvGrpSpPr>
-        <p:cNvPr id="143" name="Shape 143"/>
+        <p:cNvPr id="144" name="Shape 144"/>
         <p:cNvGrpSpPr/>
         <p:nvPr/>
       </p:nvGrpSpPr>
@@ -6450,7 +6476,7 @@
       </p:grpSpPr>
       <p:sp>
         <p:nvSpPr>
-          <p:cNvPr id="144" name="Shape 144"/>
+          <p:cNvPr id="145" name="Shape 145"/>
           <p:cNvSpPr txBox="1"/>
           <p:nvPr>
             <p:ph type="title"/>
@@ -6483,7 +6509,7 @@
       </p:sp>
       <p:sp>
         <p:nvSpPr>
-          <p:cNvPr id="145" name="Shape 145"/>
+          <p:cNvPr id="146" name="Shape 146"/>
           <p:cNvSpPr txBox="1"/>
           <p:nvPr>
             <p:ph idx="1" type="body"/>
@@ -6612,7 +6638,7 @@
   <p:cSld>
     <p:spTree>
       <p:nvGrpSpPr>
-        <p:cNvPr id="149" name="Shape 149"/>
+        <p:cNvPr id="150" name="Shape 150"/>
         <p:cNvGrpSpPr/>
         <p:nvPr/>
       </p:nvGrpSpPr>
@@ -6626,7 +6652,7 @@
       </p:grpSpPr>
       <p:sp>
         <p:nvSpPr>
-          <p:cNvPr id="150" name="Shape 150"/>
+          <p:cNvPr id="151" name="Shape 151"/>
           <p:cNvSpPr txBox="1"/>
           <p:nvPr>
             <p:ph type="title"/>
@@ -6659,7 +6685,7 @@
       </p:sp>
       <p:sp>
         <p:nvSpPr>
-          <p:cNvPr id="151" name="Shape 151"/>
+          <p:cNvPr id="152" name="Shape 152"/>
           <p:cNvSpPr txBox="1"/>
           <p:nvPr>
             <p:ph idx="1" type="body"/>
@@ -6805,7 +6831,7 @@
   <p:cSld>
     <p:spTree>
       <p:nvGrpSpPr>
-        <p:cNvPr id="155" name="Shape 155"/>
+        <p:cNvPr id="156" name="Shape 156"/>
         <p:cNvGrpSpPr/>
         <p:nvPr/>
       </p:nvGrpSpPr>
@@ -6819,7 +6845,7 @@
       </p:grpSpPr>
       <p:sp>
         <p:nvSpPr>
-          <p:cNvPr id="156" name="Shape 156"/>
+          <p:cNvPr id="157" name="Shape 157"/>
           <p:cNvSpPr txBox="1"/>
           <p:nvPr>
             <p:ph type="title"/>
@@ -6852,7 +6878,7 @@
       </p:sp>
       <p:sp>
         <p:nvSpPr>
-          <p:cNvPr id="157" name="Shape 157"/>
+          <p:cNvPr id="158" name="Shape 158"/>
           <p:cNvSpPr txBox="1"/>
           <p:nvPr>
             <p:ph idx="1" type="body"/>
@@ -6921,7 +6947,57 @@
             </a:pPr>
             <a:r>
               <a:rPr sz="2400" lang="en"/>
-              <a:t>Hay artículos diferentes y diversos rangos de precios en la misma categoría y el descuento tiene que ser válido para todos.</a:t>
+              <a:t>Artículos diferentes y diversos rangos de precios en la misma categoría y </a:t>
+            </a:r>
+            <a:r>
+              <a:rPr sz="2400" lang="en">
+                <a:solidFill>
+                  <a:srgbClr val="FFF100"/>
+                </a:solidFill>
+              </a:rPr>
+              <a:t>el descuento tiene que ser válido para todos</a:t>
+            </a:r>
+            <a:r>
+              <a:rPr sz="2400" lang="en"/>
+              <a:t>.</a:t>
+            </a:r>
+          </a:p>
+          <a:p>
+            <a:pPr rtl="0" lvl="0" indent="-381000" marL="457200">
+              <a:buClr>
+                <a:schemeClr val="lt1"/>
+              </a:buClr>
+              <a:buSzPct val="166666"/>
+              <a:buFont typeface="Arial"/>
+              <a:buChar char="•"/>
+            </a:pPr>
+            <a:r>
+              <a:rPr sz="2400" lang="en"/>
+              <a:t>Que son </a:t>
+            </a:r>
+            <a:r>
+              <a:rPr sz="2400" lang="en">
+                <a:solidFill>
+                  <a:srgbClr val="FFF100"/>
+                </a:solidFill>
+              </a:rPr>
+              <a:t>“muchas ofertas”</a:t>
+            </a:r>
+            <a:r>
+              <a:rPr sz="2400" lang="en"/>
+              <a:t> o </a:t>
+            </a:r>
+            <a:r>
+              <a:rPr sz="2400" lang="en">
+                <a:solidFill>
+                  <a:srgbClr val="FFF100"/>
+                </a:solidFill>
+              </a:rPr>
+              <a:t>“pocas ofertas”</a:t>
+            </a:r>
+            <a:r>
+              <a:rPr sz="2400" lang="en"/>
+              <a:t>?</a:t>
             </a:r>
           </a:p>
         </p:txBody>
@@ -6942,7 +7018,7 @@
   <p:cSld>
     <p:spTree>
       <p:nvGrpSpPr>
-        <p:cNvPr id="161" name="Shape 161"/>
+        <p:cNvPr id="162" name="Shape 162"/>
         <p:cNvGrpSpPr/>
         <p:nvPr/>
       </p:nvGrpSpPr>
@@ -6956,7 +7032,7 @@
       </p:grpSpPr>
       <p:sp>
         <p:nvSpPr>
-          <p:cNvPr id="162" name="Shape 162"/>
+          <p:cNvPr id="163" name="Shape 163"/>
           <p:cNvSpPr txBox="1"/>
           <p:nvPr>
             <p:ph type="title"/>
@@ -6989,7 +7065,7 @@
       </p:sp>
       <p:sp>
         <p:nvSpPr>
-          <p:cNvPr id="163" name="Shape 163"/>
+          <p:cNvPr id="164" name="Shape 164"/>
           <p:cNvSpPr txBox="1"/>
           <p:nvPr>
             <p:ph idx="1" type="body"/>
@@ -7020,7 +7096,7 @@
             </a:pPr>
             <a:r>
               <a:rPr sz="2400" lang="en"/>
-              <a:t>Para solucionarlo, se considera una </a:t>
+              <a:t>Para solucionarlo, se considera que un producto tuvo </a:t>
             </a:r>
             <a:r>
               <a:rPr sz="2400" lang="en">
@@ -7028,11 +7104,11 @@
                   <a:srgbClr val="FFF100"/>
                 </a:solidFill>
               </a:rPr>
-              <a:t>“densidad de ofertas” de cada producto</a:t>
+              <a:t>“pocas ofertas” </a:t>
             </a:r>
             <a:r>
               <a:rPr sz="2400" lang="en"/>
-              <a:t>, esto es, cuantos pesos en promedio se agregan por cada oferta nueva a un producto.</a:t>
+              <a:t>si no logró alcanzar o superar el precio base sugerido por el usuario.</a:t>
             </a:r>
           </a:p>
           <a:p>
@@ -7046,7 +7122,7 @@
             </a:pPr>
             <a:r>
               <a:rPr sz="2400" lang="en"/>
-              <a:t>Todo esto contribuye a una </a:t>
+              <a:t>Análogamente, tuvo </a:t>
             </a:r>
             <a:r>
               <a:rPr sz="2400" lang="en">
@@ -7054,7 +7130,11 @@
                   <a:srgbClr val="FFF100"/>
                 </a:solidFill>
               </a:rPr>
-              <a:t>densidad de ofertas promedio de la categoría</a:t>
+              <a:t>“muchas ofertas”</a:t>
+            </a:r>
+            <a:r>
+              <a:rPr sz="2400" lang="en"/>
+              <a:t> si superó la base sugerida por el usuario.</a:t>
             </a:r>
           </a:p>
           <a:p>
@@ -7076,7 +7156,7 @@
                   <a:srgbClr val="FFF100"/>
                 </a:solidFill>
               </a:rPr>
-              <a:t>proporcionalmente a la diferencia entre la densidad de ofertas del producto y la promedio de la categoría</a:t>
+              <a:t>proporcionalmente a la diferencia entre el precio de venta final y el precio de venta esperado, normalizado.</a:t>
             </a:r>
           </a:p>
           <a:p>
@@ -7115,7 +7195,7 @@
   <p:cSld>
     <p:spTree>
       <p:nvGrpSpPr>
-        <p:cNvPr id="84" name="Shape 84"/>
+        <p:cNvPr id="85" name="Shape 85"/>
         <p:cNvGrpSpPr/>
         <p:nvPr/>
       </p:nvGrpSpPr>
@@ -7129,7 +7209,7 @@
       </p:grpSpPr>
       <p:sp>
         <p:nvSpPr>
-          <p:cNvPr id="85" name="Shape 85"/>
+          <p:cNvPr id="86" name="Shape 86"/>
           <p:cNvSpPr txBox="1"/>
           <p:nvPr>
             <p:ph type="title"/>
@@ -7162,7 +7242,7 @@
       </p:sp>
       <p:pic>
         <p:nvPicPr>
-          <p:cNvPr id="86" name="Shape 86"/>
+          <p:cNvPr id="87" name="Shape 87"/>
           <p:cNvPicPr preferRelativeResize="0"/>
           <p:nvPr/>
         </p:nvPicPr>
@@ -7188,7 +7268,7 @@
       </p:pic>
       <p:pic>
         <p:nvPicPr>
-          <p:cNvPr id="87" name="Shape 87"/>
+          <p:cNvPr id="88" name="Shape 88"/>
           <p:cNvPicPr preferRelativeResize="0"/>
           <p:nvPr/>
         </p:nvPicPr>
@@ -7210,7 +7290,7 @@
       </p:pic>
       <p:pic>
         <p:nvPicPr>
-          <p:cNvPr id="88" name="Shape 88"/>
+          <p:cNvPr id="89" name="Shape 89"/>
           <p:cNvPicPr preferRelativeResize="0"/>
           <p:nvPr/>
         </p:nvPicPr>
@@ -7232,7 +7312,7 @@
       </p:pic>
       <p:pic>
         <p:nvPicPr>
-          <p:cNvPr id="89" name="Shape 89"/>
+          <p:cNvPr id="90" name="Shape 90"/>
           <p:cNvPicPr preferRelativeResize="0"/>
           <p:nvPr/>
         </p:nvPicPr>
@@ -7254,7 +7334,7 @@
       </p:pic>
       <p:pic>
         <p:nvPicPr>
-          <p:cNvPr id="90" name="Shape 90"/>
+          <p:cNvPr id="91" name="Shape 91"/>
           <p:cNvPicPr preferRelativeResize="0"/>
           <p:nvPr/>
         </p:nvPicPr>
@@ -7276,7 +7356,7 @@
       </p:pic>
       <p:sp>
         <p:nvSpPr>
-          <p:cNvPr id="91" name="Shape 91"/>
+          <p:cNvPr id="92" name="Shape 92"/>
           <p:cNvSpPr txBox="1"/>
           <p:nvPr/>
         </p:nvSpPr>
@@ -7311,7 +7391,7 @@
       </p:sp>
       <p:pic>
         <p:nvPicPr>
-          <p:cNvPr id="92" name="Shape 92"/>
+          <p:cNvPr id="93" name="Shape 93"/>
           <p:cNvPicPr preferRelativeResize="0"/>
           <p:nvPr/>
         </p:nvPicPr>
@@ -7347,7 +7427,7 @@
   <p:cSld>
     <p:spTree>
       <p:nvGrpSpPr>
-        <p:cNvPr id="96" name="Shape 96"/>
+        <p:cNvPr id="97" name="Shape 97"/>
         <p:cNvGrpSpPr/>
         <p:nvPr/>
       </p:nvGrpSpPr>
@@ -7361,7 +7441,7 @@
       </p:grpSpPr>
       <p:sp>
         <p:nvSpPr>
-          <p:cNvPr id="97" name="Shape 97"/>
+          <p:cNvPr id="98" name="Shape 98"/>
           <p:cNvSpPr txBox="1"/>
           <p:nvPr>
             <p:ph type="title"/>
@@ -7394,7 +7474,7 @@
       </p:sp>
       <p:pic>
         <p:nvPicPr>
-          <p:cNvPr id="98" name="Shape 98"/>
+          <p:cNvPr id="99" name="Shape 99"/>
           <p:cNvPicPr preferRelativeResize="0"/>
           <p:nvPr/>
         </p:nvPicPr>
@@ -7416,7 +7496,7 @@
       </p:pic>
       <p:pic>
         <p:nvPicPr>
-          <p:cNvPr id="99" name="Shape 99"/>
+          <p:cNvPr id="100" name="Shape 100"/>
           <p:cNvPicPr preferRelativeResize="0"/>
           <p:nvPr/>
         </p:nvPicPr>
@@ -7438,7 +7518,7 @@
       </p:pic>
       <p:pic>
         <p:nvPicPr>
-          <p:cNvPr id="100" name="Shape 100"/>
+          <p:cNvPr id="101" name="Shape 101"/>
           <p:cNvPicPr preferRelativeResize="0"/>
           <p:nvPr/>
         </p:nvPicPr>
@@ -7460,7 +7540,7 @@
       </p:pic>
       <p:pic>
         <p:nvPicPr>
-          <p:cNvPr id="101" name="Shape 101"/>
+          <p:cNvPr id="102" name="Shape 102"/>
           <p:cNvPicPr preferRelativeResize="0"/>
           <p:nvPr/>
         </p:nvPicPr>
@@ -7482,7 +7562,7 @@
       </p:pic>
       <p:sp>
         <p:nvSpPr>
-          <p:cNvPr id="102" name="Shape 102"/>
+          <p:cNvPr id="103" name="Shape 103"/>
           <p:cNvSpPr txBox="1"/>
           <p:nvPr/>
         </p:nvSpPr>
@@ -7517,7 +7597,7 @@
       </p:sp>
       <p:sp>
         <p:nvSpPr>
-          <p:cNvPr id="103" name="Shape 103"/>
+          <p:cNvPr id="104" name="Shape 104"/>
           <p:cNvSpPr txBox="1"/>
           <p:nvPr/>
         </p:nvSpPr>
@@ -7566,7 +7646,7 @@
   <p:cSld>
     <p:spTree>
       <p:nvGrpSpPr>
-        <p:cNvPr id="107" name="Shape 107"/>
+        <p:cNvPr id="108" name="Shape 108"/>
         <p:cNvGrpSpPr/>
         <p:nvPr/>
       </p:nvGrpSpPr>
@@ -7580,7 +7660,7 @@
       </p:grpSpPr>
       <p:sp>
         <p:nvSpPr>
-          <p:cNvPr id="108" name="Shape 108"/>
+          <p:cNvPr id="109" name="Shape 109"/>
           <p:cNvSpPr txBox="1"/>
           <p:nvPr>
             <p:ph type="title"/>
@@ -7613,7 +7693,7 @@
       </p:sp>
       <p:sp>
         <p:nvSpPr>
-          <p:cNvPr id="109" name="Shape 109"/>
+          <p:cNvPr id="110" name="Shape 110"/>
           <p:cNvSpPr txBox="1"/>
           <p:nvPr>
             <p:ph idx="1" type="body"/>
@@ -7721,7 +7801,7 @@
   <p:cSld>
     <p:spTree>
       <p:nvGrpSpPr>
-        <p:cNvPr id="113" name="Shape 113"/>
+        <p:cNvPr id="114" name="Shape 114"/>
         <p:cNvGrpSpPr/>
         <p:nvPr/>
       </p:nvGrpSpPr>
@@ -7735,7 +7815,7 @@
       </p:grpSpPr>
       <p:sp>
         <p:nvSpPr>
-          <p:cNvPr id="114" name="Shape 114"/>
+          <p:cNvPr id="115" name="Shape 115"/>
           <p:cNvSpPr txBox="1"/>
           <p:nvPr>
             <p:ph type="title"/>
@@ -7768,7 +7848,7 @@
       </p:sp>
       <p:pic>
         <p:nvPicPr>
-          <p:cNvPr id="115" name="Shape 115"/>
+          <p:cNvPr id="116" name="Shape 116"/>
           <p:cNvPicPr preferRelativeResize="0"/>
           <p:nvPr/>
         </p:nvPicPr>
@@ -7808,7 +7888,7 @@
   <p:cSld>
     <p:spTree>
       <p:nvGrpSpPr>
-        <p:cNvPr id="119" name="Shape 119"/>
+        <p:cNvPr id="120" name="Shape 120"/>
         <p:cNvGrpSpPr/>
         <p:nvPr/>
       </p:nvGrpSpPr>
@@ -7822,7 +7902,7 @@
       </p:grpSpPr>
       <p:sp>
         <p:nvSpPr>
-          <p:cNvPr id="120" name="Shape 120"/>
+          <p:cNvPr id="121" name="Shape 121"/>
           <p:cNvSpPr txBox="1"/>
           <p:nvPr>
             <p:ph type="title"/>
@@ -7873,7 +7953,7 @@
       </p:sp>
       <p:pic>
         <p:nvPicPr>
-          <p:cNvPr id="121" name="Shape 121"/>
+          <p:cNvPr id="122" name="Shape 122"/>
           <p:cNvPicPr preferRelativeResize="0"/>
           <p:nvPr/>
         </p:nvPicPr>
@@ -7913,7 +7993,7 @@
   <p:cSld>
     <p:spTree>
       <p:nvGrpSpPr>
-        <p:cNvPr id="125" name="Shape 125"/>
+        <p:cNvPr id="126" name="Shape 126"/>
         <p:cNvGrpSpPr/>
         <p:nvPr/>
       </p:nvGrpSpPr>
@@ -7927,7 +8007,7 @@
       </p:grpSpPr>
       <p:sp>
         <p:nvSpPr>
-          <p:cNvPr id="126" name="Shape 126"/>
+          <p:cNvPr id="127" name="Shape 127"/>
           <p:cNvSpPr txBox="1"/>
           <p:nvPr>
             <p:ph type="title"/>
@@ -7960,7 +8040,7 @@
       </p:sp>
       <p:sp>
         <p:nvSpPr>
-          <p:cNvPr id="127" name="Shape 127"/>
+          <p:cNvPr id="128" name="Shape 128"/>
           <p:cNvSpPr txBox="1"/>
           <p:nvPr>
             <p:ph idx="1" type="body"/>
@@ -8059,7 +8139,7 @@
   <p:cSld>
     <p:spTree>
       <p:nvGrpSpPr>
-        <p:cNvPr id="131" name="Shape 131"/>
+        <p:cNvPr id="132" name="Shape 132"/>
         <p:cNvGrpSpPr/>
         <p:nvPr/>
       </p:nvGrpSpPr>
@@ -8073,7 +8153,7 @@
       </p:grpSpPr>
       <p:sp>
         <p:nvSpPr>
-          <p:cNvPr id="132" name="Shape 132"/>
+          <p:cNvPr id="133" name="Shape 133"/>
           <p:cNvSpPr txBox="1"/>
           <p:nvPr>
             <p:ph type="title"/>
@@ -8106,7 +8186,7 @@
       </p:sp>
       <p:sp>
         <p:nvSpPr>
-          <p:cNvPr id="133" name="Shape 133"/>
+          <p:cNvPr id="134" name="Shape 134"/>
           <p:cNvSpPr txBox="1"/>
           <p:nvPr>
             <p:ph idx="1" type="body"/>
@@ -8227,7 +8307,7 @@
   <p:cSld>
     <p:spTree>
       <p:nvGrpSpPr>
-        <p:cNvPr id="137" name="Shape 137"/>
+        <p:cNvPr id="138" name="Shape 138"/>
         <p:cNvGrpSpPr/>
         <p:nvPr/>
       </p:nvGrpSpPr>
@@ -8241,7 +8321,7 @@
       </p:grpSpPr>
       <p:sp>
         <p:nvSpPr>
-          <p:cNvPr id="138" name="Shape 138"/>
+          <p:cNvPr id="139" name="Shape 139"/>
           <p:cNvSpPr txBox="1"/>
           <p:nvPr>
             <p:ph type="title"/>
@@ -8274,7 +8354,7 @@
       </p:sp>
       <p:sp>
         <p:nvSpPr>
-          <p:cNvPr id="139" name="Shape 139"/>
+          <p:cNvPr id="140" name="Shape 140"/>
           <p:cNvSpPr txBox="1"/>
           <p:nvPr>
             <p:ph idx="1" type="body"/>
